--- a/misc/primenumber.pptx
+++ b/misc/primenumber.pptx
@@ -322,7 +322,7 @@
           <a:p>
             <a:fld id="{5957B101-26FE-41D1-A160-CAD7C81E75D7}" type="datetimeFigureOut">
               <a:rPr lang="pt-BR" smtClean="0"/>
-              <a:t>31/07/2017</a:t>
+              <a:t>01/08/2017</a:t>
             </a:fld>
             <a:endParaRPr lang="pt-BR" dirty="0"/>
           </a:p>
@@ -492,7 +492,7 @@
           <a:p>
             <a:fld id="{5957B101-26FE-41D1-A160-CAD7C81E75D7}" type="datetimeFigureOut">
               <a:rPr lang="pt-BR" smtClean="0"/>
-              <a:t>31/07/2017</a:t>
+              <a:t>01/08/2017</a:t>
             </a:fld>
             <a:endParaRPr lang="pt-BR" dirty="0"/>
           </a:p>
@@ -672,7 +672,7 @@
           <a:p>
             <a:fld id="{5957B101-26FE-41D1-A160-CAD7C81E75D7}" type="datetimeFigureOut">
               <a:rPr lang="pt-BR" smtClean="0"/>
-              <a:t>31/07/2017</a:t>
+              <a:t>01/08/2017</a:t>
             </a:fld>
             <a:endParaRPr lang="pt-BR" dirty="0"/>
           </a:p>
@@ -819,7 +819,7 @@
           <a:p>
             <a:fld id="{5957B101-26FE-41D1-A160-CAD7C81E75D7}" type="datetimeFigureOut">
               <a:rPr lang="pt-BR" smtClean="0"/>
-              <a:t>31/07/2017</a:t>
+              <a:t>01/08/2017</a:t>
             </a:fld>
             <a:endParaRPr lang="pt-BR" dirty="0"/>
           </a:p>
@@ -1072,7 +1072,7 @@
           <a:p>
             <a:fld id="{5957B101-26FE-41D1-A160-CAD7C81E75D7}" type="datetimeFigureOut">
               <a:rPr lang="pt-BR" smtClean="0"/>
-              <a:t>31/07/2017</a:t>
+              <a:t>01/08/2017</a:t>
             </a:fld>
             <a:endParaRPr lang="pt-BR" dirty="0"/>
           </a:p>
@@ -1360,7 +1360,7 @@
           <a:p>
             <a:fld id="{5957B101-26FE-41D1-A160-CAD7C81E75D7}" type="datetimeFigureOut">
               <a:rPr lang="pt-BR" smtClean="0"/>
-              <a:t>31/07/2017</a:t>
+              <a:t>01/08/2017</a:t>
             </a:fld>
             <a:endParaRPr lang="pt-BR" dirty="0"/>
           </a:p>
@@ -1782,7 +1782,7 @@
           <a:p>
             <a:fld id="{5957B101-26FE-41D1-A160-CAD7C81E75D7}" type="datetimeFigureOut">
               <a:rPr lang="pt-BR" smtClean="0"/>
-              <a:t>31/07/2017</a:t>
+              <a:t>01/08/2017</a:t>
             </a:fld>
             <a:endParaRPr lang="pt-BR" dirty="0"/>
           </a:p>
@@ -1900,7 +1900,7 @@
           <a:p>
             <a:fld id="{5957B101-26FE-41D1-A160-CAD7C81E75D7}" type="datetimeFigureOut">
               <a:rPr lang="pt-BR" smtClean="0"/>
-              <a:t>31/07/2017</a:t>
+              <a:t>01/08/2017</a:t>
             </a:fld>
             <a:endParaRPr lang="pt-BR" dirty="0"/>
           </a:p>
@@ -1995,7 +1995,7 @@
           <a:p>
             <a:fld id="{5957B101-26FE-41D1-A160-CAD7C81E75D7}" type="datetimeFigureOut">
               <a:rPr lang="pt-BR" smtClean="0"/>
-              <a:t>31/07/2017</a:t>
+              <a:t>01/08/2017</a:t>
             </a:fld>
             <a:endParaRPr lang="pt-BR" dirty="0"/>
           </a:p>
@@ -2272,7 +2272,7 @@
           <a:p>
             <a:fld id="{5957B101-26FE-41D1-A160-CAD7C81E75D7}" type="datetimeFigureOut">
               <a:rPr lang="pt-BR" smtClean="0"/>
-              <a:t>31/07/2017</a:t>
+              <a:t>01/08/2017</a:t>
             </a:fld>
             <a:endParaRPr lang="pt-BR" dirty="0"/>
           </a:p>
@@ -2525,7 +2525,7 @@
           <a:p>
             <a:fld id="{5957B101-26FE-41D1-A160-CAD7C81E75D7}" type="datetimeFigureOut">
               <a:rPr lang="pt-BR" smtClean="0"/>
-              <a:t>31/07/2017</a:t>
+              <a:t>01/08/2017</a:t>
             </a:fld>
             <a:endParaRPr lang="pt-BR" dirty="0"/>
           </a:p>
@@ -2738,7 +2738,7 @@
           <a:p>
             <a:fld id="{5957B101-26FE-41D1-A160-CAD7C81E75D7}" type="datetimeFigureOut">
               <a:rPr lang="pt-BR" smtClean="0"/>
-              <a:t>31/07/2017</a:t>
+              <a:t>01/08/2017</a:t>
             </a:fld>
             <a:endParaRPr lang="pt-BR" dirty="0"/>
           </a:p>
@@ -7148,11 +7148,7 @@
             </a:r>
             <a:r>
               <a:rPr lang="pt-BR" dirty="0" smtClean="0"/>
-              <a:t> in </a:t>
-            </a:r>
-            <a:r>
-              <a:rPr lang="pt-BR" dirty="0" smtClean="0"/>
-              <a:t>Vivado 2017.2</a:t>
+              <a:t> in Vivado 2017.2</a:t>
             </a:r>
           </a:p>
         </p:txBody>
@@ -16049,15 +16045,6 @@
                 <a:tailEnd/>
               </a14:hiddenLine>
             </a:ext>
-            <a:ext uri="{AF507438-7753-43E0-B8FC-AC1667EBCBE1}">
-              <a14:hiddenEffects xmlns:a14="http://schemas.microsoft.com/office/drawing/2010/main">
-                <a:effectLst>
-                  <a:outerShdw dist="35921" dir="2700000" algn="ctr" rotWithShape="0">
-                    <a:schemeClr val="bg2"/>
-                  </a:outerShdw>
-                </a:effectLst>
-              </a14:hiddenEffects>
-            </a:ext>
           </a:extLst>
         </p:spPr>
       </p:pic>
@@ -16276,18 +16263,207 @@
                 <a:tailEnd/>
               </a14:hiddenLine>
             </a:ext>
-            <a:ext uri="{AF507438-7753-43E0-B8FC-AC1667EBCBE1}">
-              <a14:hiddenEffects xmlns:a14="http://schemas.microsoft.com/office/drawing/2010/main">
-                <a:effectLst>
-                  <a:outerShdw dist="35921" dir="2700000" algn="ctr" rotWithShape="0">
-                    <a:schemeClr val="bg2"/>
-                  </a:outerShdw>
-                </a:effectLst>
-              </a14:hiddenEffects>
-            </a:ext>
           </a:extLst>
         </p:spPr>
       </p:pic>
+      <p:cxnSp>
+        <p:nvCxnSpPr>
+          <p:cNvPr id="3" name="Conector de seta reta 2"/>
+          <p:cNvCxnSpPr/>
+          <p:nvPr/>
+        </p:nvCxnSpPr>
+        <p:spPr>
+          <a:xfrm flipV="1">
+            <a:off x="1619672" y="3573016"/>
+            <a:ext cx="3240360" cy="1605374"/>
+          </a:xfrm>
+          <a:prstGeom prst="straightConnector1">
+            <a:avLst/>
+          </a:prstGeom>
+          <a:ln>
+            <a:tailEnd type="arrow"/>
+          </a:ln>
+        </p:spPr>
+        <p:style>
+          <a:lnRef idx="1">
+            <a:schemeClr val="accent1"/>
+          </a:lnRef>
+          <a:fillRef idx="0">
+            <a:schemeClr val="accent1"/>
+          </a:fillRef>
+          <a:effectRef idx="0">
+            <a:schemeClr val="accent1"/>
+          </a:effectRef>
+          <a:fontRef idx="minor">
+            <a:schemeClr val="tx1"/>
+          </a:fontRef>
+        </p:style>
+      </p:cxnSp>
+      <p:cxnSp>
+        <p:nvCxnSpPr>
+          <p:cNvPr id="10" name="Conector de seta reta 9"/>
+          <p:cNvCxnSpPr/>
+          <p:nvPr/>
+        </p:nvCxnSpPr>
+        <p:spPr>
+          <a:xfrm flipV="1">
+            <a:off x="1619672" y="3107742"/>
+            <a:ext cx="2736304" cy="2070648"/>
+          </a:xfrm>
+          <a:prstGeom prst="straightConnector1">
+            <a:avLst/>
+          </a:prstGeom>
+          <a:ln>
+            <a:tailEnd type="arrow"/>
+          </a:ln>
+        </p:spPr>
+        <p:style>
+          <a:lnRef idx="1">
+            <a:schemeClr val="accent1"/>
+          </a:lnRef>
+          <a:fillRef idx="0">
+            <a:schemeClr val="accent1"/>
+          </a:fillRef>
+          <a:effectRef idx="0">
+            <a:schemeClr val="accent1"/>
+          </a:effectRef>
+          <a:fontRef idx="minor">
+            <a:schemeClr val="tx1"/>
+          </a:fontRef>
+        </p:style>
+      </p:cxnSp>
+      <p:cxnSp>
+        <p:nvCxnSpPr>
+          <p:cNvPr id="12" name="Conector de seta reta 11"/>
+          <p:cNvCxnSpPr/>
+          <p:nvPr/>
+        </p:nvCxnSpPr>
+        <p:spPr>
+          <a:xfrm flipH="1" flipV="1">
+            <a:off x="5076056" y="2924944"/>
+            <a:ext cx="1152128" cy="2253446"/>
+          </a:xfrm>
+          <a:prstGeom prst="straightConnector1">
+            <a:avLst/>
+          </a:prstGeom>
+          <a:ln>
+            <a:tailEnd type="arrow"/>
+          </a:ln>
+        </p:spPr>
+        <p:style>
+          <a:lnRef idx="1">
+            <a:schemeClr val="accent1"/>
+          </a:lnRef>
+          <a:fillRef idx="0">
+            <a:schemeClr val="accent1"/>
+          </a:fillRef>
+          <a:effectRef idx="0">
+            <a:schemeClr val="accent1"/>
+          </a:effectRef>
+          <a:fontRef idx="minor">
+            <a:schemeClr val="tx1"/>
+          </a:fontRef>
+        </p:style>
+      </p:cxnSp>
+      <p:cxnSp>
+        <p:nvCxnSpPr>
+          <p:cNvPr id="14" name="Conector de seta reta 13"/>
+          <p:cNvCxnSpPr/>
+          <p:nvPr/>
+        </p:nvCxnSpPr>
+        <p:spPr>
+          <a:xfrm flipV="1">
+            <a:off x="6228184" y="4509120"/>
+            <a:ext cx="360040" cy="669270"/>
+          </a:xfrm>
+          <a:prstGeom prst="straightConnector1">
+            <a:avLst/>
+          </a:prstGeom>
+          <a:ln>
+            <a:tailEnd type="arrow"/>
+          </a:ln>
+        </p:spPr>
+        <p:style>
+          <a:lnRef idx="1">
+            <a:schemeClr val="accent1"/>
+          </a:lnRef>
+          <a:fillRef idx="0">
+            <a:schemeClr val="accent1"/>
+          </a:fillRef>
+          <a:effectRef idx="0">
+            <a:schemeClr val="accent1"/>
+          </a:effectRef>
+          <a:fontRef idx="minor">
+            <a:schemeClr val="tx1"/>
+          </a:fontRef>
+        </p:style>
+      </p:cxnSp>
+      <p:cxnSp>
+        <p:nvCxnSpPr>
+          <p:cNvPr id="16" name="Conector de seta reta 15"/>
+          <p:cNvCxnSpPr/>
+          <p:nvPr/>
+        </p:nvCxnSpPr>
+        <p:spPr>
+          <a:xfrm flipV="1">
+            <a:off x="7668344" y="4509120"/>
+            <a:ext cx="576064" cy="1080120"/>
+          </a:xfrm>
+          <a:prstGeom prst="straightConnector1">
+            <a:avLst/>
+          </a:prstGeom>
+          <a:ln>
+            <a:tailEnd type="arrow"/>
+          </a:ln>
+        </p:spPr>
+        <p:style>
+          <a:lnRef idx="1">
+            <a:schemeClr val="accent1"/>
+          </a:lnRef>
+          <a:fillRef idx="0">
+            <a:schemeClr val="accent1"/>
+          </a:fillRef>
+          <a:effectRef idx="0">
+            <a:schemeClr val="accent1"/>
+          </a:effectRef>
+          <a:fontRef idx="minor">
+            <a:schemeClr val="tx1"/>
+          </a:fontRef>
+        </p:style>
+      </p:cxnSp>
+      <p:cxnSp>
+        <p:nvCxnSpPr>
+          <p:cNvPr id="19" name="Conector de seta reta 18"/>
+          <p:cNvCxnSpPr/>
+          <p:nvPr/>
+        </p:nvCxnSpPr>
+        <p:spPr>
+          <a:xfrm flipV="1">
+            <a:off x="5004048" y="2276872"/>
+            <a:ext cx="2088232" cy="432048"/>
+          </a:xfrm>
+          <a:prstGeom prst="straightConnector1">
+            <a:avLst/>
+          </a:prstGeom>
+          <a:ln>
+            <a:tailEnd type="arrow"/>
+          </a:ln>
+        </p:spPr>
+        <p:style>
+          <a:lnRef idx="1">
+            <a:schemeClr val="accent1"/>
+          </a:lnRef>
+          <a:fillRef idx="0">
+            <a:schemeClr val="accent1"/>
+          </a:fillRef>
+          <a:effectRef idx="0">
+            <a:schemeClr val="accent1"/>
+          </a:effectRef>
+          <a:fontRef idx="minor">
+            <a:schemeClr val="tx1"/>
+          </a:fontRef>
+        </p:style>
+      </p:cxnSp>
     </p:spTree>
     <p:extLst>
       <p:ext uri="{BB962C8B-B14F-4D97-AF65-F5344CB8AC3E}">

--- a/misc/primenumber.pptx
+++ b/misc/primenumber.pptx
@@ -173,6 +173,9 @@
             <a:off x="685800" y="2130425"/>
             <a:ext cx="7772400" cy="1470025"/>
           </a:xfrm>
+          <a:prstGeom prst="rect">
+            <a:avLst/>
+          </a:prstGeom>
         </p:spPr>
         <p:txBody>
           <a:bodyPr/>
@@ -201,6 +204,9 @@
             <a:off x="1371600" y="3886200"/>
             <a:ext cx="6400800" cy="1752600"/>
           </a:xfrm>
+          <a:prstGeom prst="rect">
+            <a:avLst/>
+          </a:prstGeom>
         </p:spPr>
         <p:txBody>
           <a:bodyPr/>
@@ -315,7 +321,15 @@
             <p:ph type="dt" sz="half" idx="10"/>
           </p:nvPr>
         </p:nvSpPr>
-        <p:spPr/>
+        <p:spPr>
+          <a:xfrm>
+            <a:off x="457200" y="6356350"/>
+            <a:ext cx="2133600" cy="365125"/>
+          </a:xfrm>
+          <a:prstGeom prst="rect">
+            <a:avLst/>
+          </a:prstGeom>
+        </p:spPr>
         <p:txBody>
           <a:bodyPr/>
           <a:lstStyle/>
@@ -338,7 +352,15 @@
             <p:ph type="ftr" sz="quarter" idx="11"/>
           </p:nvPr>
         </p:nvSpPr>
-        <p:spPr/>
+        <p:spPr>
+          <a:xfrm>
+            <a:off x="3124200" y="6356350"/>
+            <a:ext cx="2895600" cy="365125"/>
+          </a:xfrm>
+          <a:prstGeom prst="rect">
+            <a:avLst/>
+          </a:prstGeom>
+        </p:spPr>
         <p:txBody>
           <a:bodyPr/>
           <a:lstStyle/>
@@ -357,7 +379,15 @@
             <p:ph type="sldNum" sz="quarter" idx="12"/>
           </p:nvPr>
         </p:nvSpPr>
-        <p:spPr/>
+        <p:spPr>
+          <a:xfrm>
+            <a:off x="6553200" y="6356350"/>
+            <a:ext cx="2133600" cy="365125"/>
+          </a:xfrm>
+          <a:prstGeom prst="rect">
+            <a:avLst/>
+          </a:prstGeom>
+        </p:spPr>
         <p:txBody>
           <a:bodyPr/>
           <a:lstStyle/>
@@ -410,7 +440,15 @@
             <p:ph type="title"/>
           </p:nvPr>
         </p:nvSpPr>
-        <p:spPr/>
+        <p:spPr>
+          <a:xfrm>
+            <a:off x="457200" y="274638"/>
+            <a:ext cx="8229600" cy="1143000"/>
+          </a:xfrm>
+          <a:prstGeom prst="rect">
+            <a:avLst/>
+          </a:prstGeom>
+        </p:spPr>
         <p:txBody>
           <a:bodyPr/>
           <a:lstStyle/>
@@ -433,7 +471,15 @@
             <p:ph type="body" orient="vert" idx="1"/>
           </p:nvPr>
         </p:nvSpPr>
-        <p:spPr/>
+        <p:spPr>
+          <a:xfrm>
+            <a:off x="457200" y="1600200"/>
+            <a:ext cx="8229600" cy="4525963"/>
+          </a:xfrm>
+          <a:prstGeom prst="rect">
+            <a:avLst/>
+          </a:prstGeom>
+        </p:spPr>
         <p:txBody>
           <a:bodyPr vert="eaVert"/>
           <a:lstStyle/>
@@ -485,7 +531,15 @@
             <p:ph type="dt" sz="half" idx="10"/>
           </p:nvPr>
         </p:nvSpPr>
-        <p:spPr/>
+        <p:spPr>
+          <a:xfrm>
+            <a:off x="457200" y="6356350"/>
+            <a:ext cx="2133600" cy="365125"/>
+          </a:xfrm>
+          <a:prstGeom prst="rect">
+            <a:avLst/>
+          </a:prstGeom>
+        </p:spPr>
         <p:txBody>
           <a:bodyPr/>
           <a:lstStyle/>
@@ -508,7 +562,15 @@
             <p:ph type="ftr" sz="quarter" idx="11"/>
           </p:nvPr>
         </p:nvSpPr>
-        <p:spPr/>
+        <p:spPr>
+          <a:xfrm>
+            <a:off x="3124200" y="6356350"/>
+            <a:ext cx="2895600" cy="365125"/>
+          </a:xfrm>
+          <a:prstGeom prst="rect">
+            <a:avLst/>
+          </a:prstGeom>
+        </p:spPr>
         <p:txBody>
           <a:bodyPr/>
           <a:lstStyle/>
@@ -527,7 +589,15 @@
             <p:ph type="sldNum" sz="quarter" idx="12"/>
           </p:nvPr>
         </p:nvSpPr>
-        <p:spPr/>
+        <p:spPr>
+          <a:xfrm>
+            <a:off x="6553200" y="6356350"/>
+            <a:ext cx="2133600" cy="365125"/>
+          </a:xfrm>
+          <a:prstGeom prst="rect">
+            <a:avLst/>
+          </a:prstGeom>
+        </p:spPr>
         <p:txBody>
           <a:bodyPr/>
           <a:lstStyle/>
@@ -585,6 +655,9 @@
             <a:off x="6629400" y="274638"/>
             <a:ext cx="2057400" cy="5851525"/>
           </a:xfrm>
+          <a:prstGeom prst="rect">
+            <a:avLst/>
+          </a:prstGeom>
         </p:spPr>
         <p:txBody>
           <a:bodyPr vert="eaVert"/>
@@ -613,6 +686,9 @@
             <a:off x="457200" y="274638"/>
             <a:ext cx="6019800" cy="5851525"/>
           </a:xfrm>
+          <a:prstGeom prst="rect">
+            <a:avLst/>
+          </a:prstGeom>
         </p:spPr>
         <p:txBody>
           <a:bodyPr vert="eaVert"/>
@@ -665,7 +741,15 @@
             <p:ph type="dt" sz="half" idx="10"/>
           </p:nvPr>
         </p:nvSpPr>
-        <p:spPr/>
+        <p:spPr>
+          <a:xfrm>
+            <a:off x="457200" y="6356350"/>
+            <a:ext cx="2133600" cy="365125"/>
+          </a:xfrm>
+          <a:prstGeom prst="rect">
+            <a:avLst/>
+          </a:prstGeom>
+        </p:spPr>
         <p:txBody>
           <a:bodyPr/>
           <a:lstStyle/>
@@ -688,7 +772,15 @@
             <p:ph type="ftr" sz="quarter" idx="11"/>
           </p:nvPr>
         </p:nvSpPr>
-        <p:spPr/>
+        <p:spPr>
+          <a:xfrm>
+            <a:off x="3124200" y="6356350"/>
+            <a:ext cx="2895600" cy="365125"/>
+          </a:xfrm>
+          <a:prstGeom prst="rect">
+            <a:avLst/>
+          </a:prstGeom>
+        </p:spPr>
         <p:txBody>
           <a:bodyPr/>
           <a:lstStyle/>
@@ -707,7 +799,15 @@
             <p:ph type="sldNum" sz="quarter" idx="12"/>
           </p:nvPr>
         </p:nvSpPr>
-        <p:spPr/>
+        <p:spPr>
+          <a:xfrm>
+            <a:off x="6553200" y="6356350"/>
+            <a:ext cx="2133600" cy="365125"/>
+          </a:xfrm>
+          <a:prstGeom prst="rect">
+            <a:avLst/>
+          </a:prstGeom>
+        </p:spPr>
         <p:txBody>
           <a:bodyPr/>
           <a:lstStyle/>
@@ -760,7 +860,15 @@
             <p:ph idx="1"/>
           </p:nvPr>
         </p:nvSpPr>
-        <p:spPr/>
+        <p:spPr>
+          <a:xfrm>
+            <a:off x="457200" y="1600200"/>
+            <a:ext cx="8229600" cy="4525963"/>
+          </a:xfrm>
+          <a:prstGeom prst="rect">
+            <a:avLst/>
+          </a:prstGeom>
+        </p:spPr>
         <p:txBody>
           <a:bodyPr/>
           <a:lstStyle/>
@@ -812,7 +920,15 @@
             <p:ph type="dt" sz="half" idx="10"/>
           </p:nvPr>
         </p:nvSpPr>
-        <p:spPr/>
+        <p:spPr>
+          <a:xfrm>
+            <a:off x="457200" y="6356350"/>
+            <a:ext cx="2133600" cy="365125"/>
+          </a:xfrm>
+          <a:prstGeom prst="rect">
+            <a:avLst/>
+          </a:prstGeom>
+        </p:spPr>
         <p:txBody>
           <a:bodyPr/>
           <a:lstStyle/>
@@ -835,7 +951,15 @@
             <p:ph type="ftr" sz="quarter" idx="11"/>
           </p:nvPr>
         </p:nvSpPr>
-        <p:spPr/>
+        <p:spPr>
+          <a:xfrm>
+            <a:off x="3124200" y="6356350"/>
+            <a:ext cx="2895600" cy="365125"/>
+          </a:xfrm>
+          <a:prstGeom prst="rect">
+            <a:avLst/>
+          </a:prstGeom>
+        </p:spPr>
         <p:txBody>
           <a:bodyPr/>
           <a:lstStyle/>
@@ -854,7 +978,15 @@
             <p:ph type="sldNum" sz="quarter" idx="12"/>
           </p:nvPr>
         </p:nvSpPr>
-        <p:spPr/>
+        <p:spPr>
+          <a:xfrm>
+            <a:off x="6553200" y="6356350"/>
+            <a:ext cx="2133600" cy="365125"/>
+          </a:xfrm>
+          <a:prstGeom prst="rect">
+            <a:avLst/>
+          </a:prstGeom>
+        </p:spPr>
         <p:txBody>
           <a:bodyPr/>
           <a:lstStyle/>
@@ -919,6 +1051,9 @@
             <a:off x="722313" y="4406900"/>
             <a:ext cx="7772400" cy="1362075"/>
           </a:xfrm>
+          <a:prstGeom prst="rect">
+            <a:avLst/>
+          </a:prstGeom>
         </p:spPr>
         <p:txBody>
           <a:bodyPr anchor="t"/>
@@ -951,6 +1086,9 @@
             <a:off x="722313" y="2906713"/>
             <a:ext cx="7772400" cy="1500187"/>
           </a:xfrm>
+          <a:prstGeom prst="rect">
+            <a:avLst/>
+          </a:prstGeom>
         </p:spPr>
         <p:txBody>
           <a:bodyPr anchor="b"/>
@@ -1065,7 +1203,15 @@
             <p:ph type="dt" sz="half" idx="10"/>
           </p:nvPr>
         </p:nvSpPr>
-        <p:spPr/>
+        <p:spPr>
+          <a:xfrm>
+            <a:off x="457200" y="6356350"/>
+            <a:ext cx="2133600" cy="365125"/>
+          </a:xfrm>
+          <a:prstGeom prst="rect">
+            <a:avLst/>
+          </a:prstGeom>
+        </p:spPr>
         <p:txBody>
           <a:bodyPr/>
           <a:lstStyle/>
@@ -1088,7 +1234,15 @@
             <p:ph type="ftr" sz="quarter" idx="11"/>
           </p:nvPr>
         </p:nvSpPr>
-        <p:spPr/>
+        <p:spPr>
+          <a:xfrm>
+            <a:off x="3124200" y="6356350"/>
+            <a:ext cx="2895600" cy="365125"/>
+          </a:xfrm>
+          <a:prstGeom prst="rect">
+            <a:avLst/>
+          </a:prstGeom>
+        </p:spPr>
         <p:txBody>
           <a:bodyPr/>
           <a:lstStyle/>
@@ -1107,7 +1261,15 @@
             <p:ph type="sldNum" sz="quarter" idx="12"/>
           </p:nvPr>
         </p:nvSpPr>
-        <p:spPr/>
+        <p:spPr>
+          <a:xfrm>
+            <a:off x="6553200" y="6356350"/>
+            <a:ext cx="2133600" cy="365125"/>
+          </a:xfrm>
+          <a:prstGeom prst="rect">
+            <a:avLst/>
+          </a:prstGeom>
+        </p:spPr>
         <p:txBody>
           <a:bodyPr/>
           <a:lstStyle/>
@@ -1160,7 +1322,15 @@
             <p:ph type="title"/>
           </p:nvPr>
         </p:nvSpPr>
-        <p:spPr/>
+        <p:spPr>
+          <a:xfrm>
+            <a:off x="457200" y="274638"/>
+            <a:ext cx="8229600" cy="1143000"/>
+          </a:xfrm>
+          <a:prstGeom prst="rect">
+            <a:avLst/>
+          </a:prstGeom>
+        </p:spPr>
         <p:txBody>
           <a:bodyPr/>
           <a:lstStyle/>
@@ -1188,6 +1358,9 @@
             <a:off x="457200" y="1600200"/>
             <a:ext cx="4038600" cy="4525963"/>
           </a:xfrm>
+          <a:prstGeom prst="rect">
+            <a:avLst/>
+          </a:prstGeom>
         </p:spPr>
         <p:txBody>
           <a:bodyPr/>
@@ -1273,6 +1446,9 @@
             <a:off x="4648200" y="1600200"/>
             <a:ext cx="4038600" cy="4525963"/>
           </a:xfrm>
+          <a:prstGeom prst="rect">
+            <a:avLst/>
+          </a:prstGeom>
         </p:spPr>
         <p:txBody>
           <a:bodyPr/>
@@ -1353,7 +1529,15 @@
             <p:ph type="dt" sz="half" idx="10"/>
           </p:nvPr>
         </p:nvSpPr>
-        <p:spPr/>
+        <p:spPr>
+          <a:xfrm>
+            <a:off x="457200" y="6356350"/>
+            <a:ext cx="2133600" cy="365125"/>
+          </a:xfrm>
+          <a:prstGeom prst="rect">
+            <a:avLst/>
+          </a:prstGeom>
+        </p:spPr>
         <p:txBody>
           <a:bodyPr/>
           <a:lstStyle/>
@@ -1376,7 +1560,15 @@
             <p:ph type="ftr" sz="quarter" idx="11"/>
           </p:nvPr>
         </p:nvSpPr>
-        <p:spPr/>
+        <p:spPr>
+          <a:xfrm>
+            <a:off x="3124200" y="6356350"/>
+            <a:ext cx="2895600" cy="365125"/>
+          </a:xfrm>
+          <a:prstGeom prst="rect">
+            <a:avLst/>
+          </a:prstGeom>
+        </p:spPr>
         <p:txBody>
           <a:bodyPr/>
           <a:lstStyle/>
@@ -1395,7 +1587,15 @@
             <p:ph type="sldNum" sz="quarter" idx="12"/>
           </p:nvPr>
         </p:nvSpPr>
-        <p:spPr/>
+        <p:spPr>
+          <a:xfrm>
+            <a:off x="6553200" y="6356350"/>
+            <a:ext cx="2133600" cy="365125"/>
+          </a:xfrm>
+          <a:prstGeom prst="rect">
+            <a:avLst/>
+          </a:prstGeom>
+        </p:spPr>
         <p:txBody>
           <a:bodyPr/>
           <a:lstStyle/>
@@ -1448,7 +1648,15 @@
             <p:ph type="title"/>
           </p:nvPr>
         </p:nvSpPr>
-        <p:spPr/>
+        <p:spPr>
+          <a:xfrm>
+            <a:off x="457200" y="274638"/>
+            <a:ext cx="8229600" cy="1143000"/>
+          </a:xfrm>
+          <a:prstGeom prst="rect">
+            <a:avLst/>
+          </a:prstGeom>
+        </p:spPr>
         <p:txBody>
           <a:bodyPr/>
           <a:lstStyle>
@@ -1480,6 +1688,9 @@
             <a:off x="457200" y="1535113"/>
             <a:ext cx="4040188" cy="639762"/>
           </a:xfrm>
+          <a:prstGeom prst="rect">
+            <a:avLst/>
+          </a:prstGeom>
         </p:spPr>
         <p:txBody>
           <a:bodyPr anchor="b"/>
@@ -1545,6 +1756,9 @@
             <a:off x="457200" y="2174875"/>
             <a:ext cx="4040188" cy="3951288"/>
           </a:xfrm>
+          <a:prstGeom prst="rect">
+            <a:avLst/>
+          </a:prstGeom>
         </p:spPr>
         <p:txBody>
           <a:bodyPr/>
@@ -1630,6 +1844,9 @@
             <a:off x="4645025" y="1535113"/>
             <a:ext cx="4041775" cy="639762"/>
           </a:xfrm>
+          <a:prstGeom prst="rect">
+            <a:avLst/>
+          </a:prstGeom>
         </p:spPr>
         <p:txBody>
           <a:bodyPr anchor="b"/>
@@ -1695,6 +1912,9 @@
             <a:off x="4645025" y="2174875"/>
             <a:ext cx="4041775" cy="3951288"/>
           </a:xfrm>
+          <a:prstGeom prst="rect">
+            <a:avLst/>
+          </a:prstGeom>
         </p:spPr>
         <p:txBody>
           <a:bodyPr/>
@@ -1775,7 +1995,15 @@
             <p:ph type="dt" sz="half" idx="10"/>
           </p:nvPr>
         </p:nvSpPr>
-        <p:spPr/>
+        <p:spPr>
+          <a:xfrm>
+            <a:off x="457200" y="6356350"/>
+            <a:ext cx="2133600" cy="365125"/>
+          </a:xfrm>
+          <a:prstGeom prst="rect">
+            <a:avLst/>
+          </a:prstGeom>
+        </p:spPr>
         <p:txBody>
           <a:bodyPr/>
           <a:lstStyle/>
@@ -1798,7 +2026,15 @@
             <p:ph type="ftr" sz="quarter" idx="11"/>
           </p:nvPr>
         </p:nvSpPr>
-        <p:spPr/>
+        <p:spPr>
+          <a:xfrm>
+            <a:off x="3124200" y="6356350"/>
+            <a:ext cx="2895600" cy="365125"/>
+          </a:xfrm>
+          <a:prstGeom prst="rect">
+            <a:avLst/>
+          </a:prstGeom>
+        </p:spPr>
         <p:txBody>
           <a:bodyPr/>
           <a:lstStyle/>
@@ -1817,7 +2053,15 @@
             <p:ph type="sldNum" sz="quarter" idx="12"/>
           </p:nvPr>
         </p:nvSpPr>
-        <p:spPr/>
+        <p:spPr>
+          <a:xfrm>
+            <a:off x="6553200" y="6356350"/>
+            <a:ext cx="2133600" cy="365125"/>
+          </a:xfrm>
+          <a:prstGeom prst="rect">
+            <a:avLst/>
+          </a:prstGeom>
+        </p:spPr>
         <p:txBody>
           <a:bodyPr/>
           <a:lstStyle/>
@@ -1870,7 +2114,15 @@
             <p:ph type="title"/>
           </p:nvPr>
         </p:nvSpPr>
-        <p:spPr/>
+        <p:spPr>
+          <a:xfrm>
+            <a:off x="457200" y="274638"/>
+            <a:ext cx="8229600" cy="1143000"/>
+          </a:xfrm>
+          <a:prstGeom prst="rect">
+            <a:avLst/>
+          </a:prstGeom>
+        </p:spPr>
         <p:txBody>
           <a:bodyPr/>
           <a:lstStyle/>
@@ -1893,7 +2145,15 @@
             <p:ph type="dt" sz="half" idx="10"/>
           </p:nvPr>
         </p:nvSpPr>
-        <p:spPr/>
+        <p:spPr>
+          <a:xfrm>
+            <a:off x="457200" y="6356350"/>
+            <a:ext cx="2133600" cy="365125"/>
+          </a:xfrm>
+          <a:prstGeom prst="rect">
+            <a:avLst/>
+          </a:prstGeom>
+        </p:spPr>
         <p:txBody>
           <a:bodyPr/>
           <a:lstStyle/>
@@ -1916,7 +2176,15 @@
             <p:ph type="ftr" sz="quarter" idx="11"/>
           </p:nvPr>
         </p:nvSpPr>
-        <p:spPr/>
+        <p:spPr>
+          <a:xfrm>
+            <a:off x="3124200" y="6356350"/>
+            <a:ext cx="2895600" cy="365125"/>
+          </a:xfrm>
+          <a:prstGeom prst="rect">
+            <a:avLst/>
+          </a:prstGeom>
+        </p:spPr>
         <p:txBody>
           <a:bodyPr/>
           <a:lstStyle/>
@@ -1935,7 +2203,15 @@
             <p:ph type="sldNum" sz="quarter" idx="12"/>
           </p:nvPr>
         </p:nvSpPr>
-        <p:spPr/>
+        <p:spPr>
+          <a:xfrm>
+            <a:off x="6553200" y="6356350"/>
+            <a:ext cx="2133600" cy="365125"/>
+          </a:xfrm>
+          <a:prstGeom prst="rect">
+            <a:avLst/>
+          </a:prstGeom>
+        </p:spPr>
         <p:txBody>
           <a:bodyPr/>
           <a:lstStyle/>
@@ -1988,7 +2264,15 @@
             <p:ph type="dt" sz="half" idx="10"/>
           </p:nvPr>
         </p:nvSpPr>
-        <p:spPr/>
+        <p:spPr>
+          <a:xfrm>
+            <a:off x="457200" y="6356350"/>
+            <a:ext cx="2133600" cy="365125"/>
+          </a:xfrm>
+          <a:prstGeom prst="rect">
+            <a:avLst/>
+          </a:prstGeom>
+        </p:spPr>
         <p:txBody>
           <a:bodyPr/>
           <a:lstStyle/>
@@ -2011,7 +2295,15 @@
             <p:ph type="ftr" sz="quarter" idx="11"/>
           </p:nvPr>
         </p:nvSpPr>
-        <p:spPr/>
+        <p:spPr>
+          <a:xfrm>
+            <a:off x="3124200" y="6356350"/>
+            <a:ext cx="2895600" cy="365125"/>
+          </a:xfrm>
+          <a:prstGeom prst="rect">
+            <a:avLst/>
+          </a:prstGeom>
+        </p:spPr>
         <p:txBody>
           <a:bodyPr/>
           <a:lstStyle/>
@@ -2030,7 +2322,15 @@
             <p:ph type="sldNum" sz="quarter" idx="12"/>
           </p:nvPr>
         </p:nvSpPr>
-        <p:spPr/>
+        <p:spPr>
+          <a:xfrm>
+            <a:off x="6553200" y="6356350"/>
+            <a:ext cx="2133600" cy="365125"/>
+          </a:xfrm>
+          <a:prstGeom prst="rect">
+            <a:avLst/>
+          </a:prstGeom>
+        </p:spPr>
         <p:txBody>
           <a:bodyPr/>
           <a:lstStyle/>
@@ -2088,6 +2388,9 @@
             <a:off x="457200" y="273050"/>
             <a:ext cx="3008313" cy="1162050"/>
           </a:xfrm>
+          <a:prstGeom prst="rect">
+            <a:avLst/>
+          </a:prstGeom>
         </p:spPr>
         <p:txBody>
           <a:bodyPr anchor="b"/>
@@ -2120,6 +2423,9 @@
             <a:off x="3575050" y="273050"/>
             <a:ext cx="5111750" cy="5853113"/>
           </a:xfrm>
+          <a:prstGeom prst="rect">
+            <a:avLst/>
+          </a:prstGeom>
         </p:spPr>
         <p:txBody>
           <a:bodyPr/>
@@ -2205,6 +2511,9 @@
             <a:off x="457200" y="1435100"/>
             <a:ext cx="3008313" cy="4691063"/>
           </a:xfrm>
+          <a:prstGeom prst="rect">
+            <a:avLst/>
+          </a:prstGeom>
         </p:spPr>
         <p:txBody>
           <a:bodyPr/>
@@ -2265,7 +2574,15 @@
             <p:ph type="dt" sz="half" idx="10"/>
           </p:nvPr>
         </p:nvSpPr>
-        <p:spPr/>
+        <p:spPr>
+          <a:xfrm>
+            <a:off x="457200" y="6356350"/>
+            <a:ext cx="2133600" cy="365125"/>
+          </a:xfrm>
+          <a:prstGeom prst="rect">
+            <a:avLst/>
+          </a:prstGeom>
+        </p:spPr>
         <p:txBody>
           <a:bodyPr/>
           <a:lstStyle/>
@@ -2288,7 +2605,15 @@
             <p:ph type="ftr" sz="quarter" idx="11"/>
           </p:nvPr>
         </p:nvSpPr>
-        <p:spPr/>
+        <p:spPr>
+          <a:xfrm>
+            <a:off x="3124200" y="6356350"/>
+            <a:ext cx="2895600" cy="365125"/>
+          </a:xfrm>
+          <a:prstGeom prst="rect">
+            <a:avLst/>
+          </a:prstGeom>
+        </p:spPr>
         <p:txBody>
           <a:bodyPr/>
           <a:lstStyle/>
@@ -2307,7 +2632,15 @@
             <p:ph type="sldNum" sz="quarter" idx="12"/>
           </p:nvPr>
         </p:nvSpPr>
-        <p:spPr/>
+        <p:spPr>
+          <a:xfrm>
+            <a:off x="6553200" y="6356350"/>
+            <a:ext cx="2133600" cy="365125"/>
+          </a:xfrm>
+          <a:prstGeom prst="rect">
+            <a:avLst/>
+          </a:prstGeom>
+        </p:spPr>
         <p:txBody>
           <a:bodyPr/>
           <a:lstStyle/>
@@ -2365,6 +2698,9 @@
             <a:off x="1792288" y="4800600"/>
             <a:ext cx="5486400" cy="566738"/>
           </a:xfrm>
+          <a:prstGeom prst="rect">
+            <a:avLst/>
+          </a:prstGeom>
         </p:spPr>
         <p:txBody>
           <a:bodyPr anchor="b"/>
@@ -2397,6 +2733,9 @@
             <a:off x="1792288" y="612775"/>
             <a:ext cx="5486400" cy="4114800"/>
           </a:xfrm>
+          <a:prstGeom prst="rect">
+            <a:avLst/>
+          </a:prstGeom>
         </p:spPr>
         <p:txBody>
           <a:bodyPr/>
@@ -2458,6 +2797,9 @@
             <a:off x="1792288" y="5367338"/>
             <a:ext cx="5486400" cy="804862"/>
           </a:xfrm>
+          <a:prstGeom prst="rect">
+            <a:avLst/>
+          </a:prstGeom>
         </p:spPr>
         <p:txBody>
           <a:bodyPr/>
@@ -2518,7 +2860,15 @@
             <p:ph type="dt" sz="half" idx="10"/>
           </p:nvPr>
         </p:nvSpPr>
-        <p:spPr/>
+        <p:spPr>
+          <a:xfrm>
+            <a:off x="457200" y="6356350"/>
+            <a:ext cx="2133600" cy="365125"/>
+          </a:xfrm>
+          <a:prstGeom prst="rect">
+            <a:avLst/>
+          </a:prstGeom>
+        </p:spPr>
         <p:txBody>
           <a:bodyPr/>
           <a:lstStyle/>
@@ -2541,7 +2891,15 @@
             <p:ph type="ftr" sz="quarter" idx="11"/>
           </p:nvPr>
         </p:nvSpPr>
-        <p:spPr/>
+        <p:spPr>
+          <a:xfrm>
+            <a:off x="3124200" y="6356350"/>
+            <a:ext cx="2895600" cy="365125"/>
+          </a:xfrm>
+          <a:prstGeom prst="rect">
+            <a:avLst/>
+          </a:prstGeom>
+        </p:spPr>
         <p:txBody>
           <a:bodyPr/>
           <a:lstStyle/>
@@ -2560,7 +2918,15 @@
             <p:ph type="sldNum" sz="quarter" idx="12"/>
           </p:nvPr>
         </p:nvSpPr>
-        <p:spPr/>
+        <p:spPr>
+          <a:xfrm>
+            <a:off x="6553200" y="6356350"/>
+            <a:ext cx="2133600" cy="365125"/>
+          </a:xfrm>
+          <a:prstGeom prst="rect">
+            <a:avLst/>
+          </a:prstGeom>
+        </p:spPr>
         <p:txBody>
           <a:bodyPr/>
           <a:lstStyle/>
@@ -2610,215 +2976,87 @@
       </p:grpSpPr>
       <p:sp>
         <p:nvSpPr>
-          <p:cNvPr id="2" name="Espaço Reservado para Título 1"/>
-          <p:cNvSpPr>
-            <a:spLocks noGrp="1"/>
-          </p:cNvSpPr>
-          <p:nvPr>
-            <p:ph type="title"/>
-          </p:nvPr>
+          <p:cNvPr id="9" name="Retângulo 8"/>
+          <p:cNvSpPr/>
+          <p:nvPr userDrawn="1"/>
         </p:nvSpPr>
         <p:spPr>
           <a:xfrm>
-            <a:off x="457200" y="274638"/>
-            <a:ext cx="8229600" cy="1143000"/>
-          </a:xfrm>
-          <a:prstGeom prst="rect">
-            <a:avLst/>
-          </a:prstGeom>
-        </p:spPr>
+            <a:off x="0" y="0"/>
+            <a:ext cx="9144000" cy="6858000"/>
+          </a:xfrm>
+          <a:prstGeom prst="rect">
+            <a:avLst/>
+          </a:prstGeom>
+        </p:spPr>
+        <p:style>
+          <a:lnRef idx="1">
+            <a:schemeClr val="dk1"/>
+          </a:lnRef>
+          <a:fillRef idx="2">
+            <a:schemeClr val="dk1"/>
+          </a:fillRef>
+          <a:effectRef idx="1">
+            <a:schemeClr val="dk1"/>
+          </a:effectRef>
+          <a:fontRef idx="minor">
+            <a:schemeClr val="dk1"/>
+          </a:fontRef>
+        </p:style>
         <p:txBody>
-          <a:bodyPr vert="horz" lIns="91440" tIns="45720" rIns="91440" bIns="45720" rtlCol="0" anchor="ctr">
-            <a:normAutofit/>
-          </a:bodyPr>
+          <a:bodyPr rtlCol="0" anchor="ctr"/>
           <a:lstStyle/>
           <a:p>
-            <a:r>
-              <a:rPr lang="pt-BR" smtClean="0"/>
-              <a:t>Clique para editar o título mestre</a:t>
-            </a:r>
+            <a:pPr algn="ctr"/>
             <a:endParaRPr lang="pt-BR"/>
           </a:p>
         </p:txBody>
       </p:sp>
       <p:sp>
         <p:nvSpPr>
-          <p:cNvPr id="3" name="Espaço Reservado para Texto 2"/>
-          <p:cNvSpPr>
-            <a:spLocks noGrp="1"/>
-          </p:cNvSpPr>
-          <p:nvPr>
-            <p:ph type="body" idx="1"/>
-          </p:nvPr>
+          <p:cNvPr id="10" name="Retângulo 9"/>
+          <p:cNvSpPr/>
+          <p:nvPr userDrawn="1"/>
         </p:nvSpPr>
         <p:spPr>
           <a:xfrm>
-            <a:off x="457200" y="1600200"/>
-            <a:ext cx="8229600" cy="4525963"/>
-          </a:xfrm>
-          <a:prstGeom prst="rect">
-            <a:avLst/>
-          </a:prstGeom>
-        </p:spPr>
+            <a:off x="0" y="6372939"/>
+            <a:ext cx="9144000" cy="504056"/>
+          </a:xfrm>
+          <a:prstGeom prst="rect">
+            <a:avLst/>
+          </a:prstGeom>
+          <a:solidFill>
+            <a:schemeClr val="bg1"/>
+          </a:solidFill>
+          <a:ln>
+            <a:solidFill>
+              <a:schemeClr val="tx1"/>
+            </a:solidFill>
+          </a:ln>
+        </p:spPr>
+        <p:style>
+          <a:lnRef idx="2">
+            <a:schemeClr val="accent1">
+              <a:shade val="50000"/>
+            </a:schemeClr>
+          </a:lnRef>
+          <a:fillRef idx="1">
+            <a:schemeClr val="accent1"/>
+          </a:fillRef>
+          <a:effectRef idx="0">
+            <a:schemeClr val="accent1"/>
+          </a:effectRef>
+          <a:fontRef idx="minor">
+            <a:schemeClr val="lt1"/>
+          </a:fontRef>
+        </p:style>
         <p:txBody>
-          <a:bodyPr vert="horz" lIns="91440" tIns="45720" rIns="91440" bIns="45720" rtlCol="0">
-            <a:normAutofit/>
-          </a:bodyPr>
+          <a:bodyPr rtlCol="0" anchor="ctr"/>
           <a:lstStyle/>
           <a:p>
-            <a:pPr lvl="0"/>
-            <a:r>
-              <a:rPr lang="pt-BR" smtClean="0"/>
-              <a:t>Clique para editar o texto mestre</a:t>
-            </a:r>
-          </a:p>
-          <a:p>
-            <a:pPr lvl="1"/>
-            <a:r>
-              <a:rPr lang="pt-BR" smtClean="0"/>
-              <a:t>Segundo nível</a:t>
-            </a:r>
-          </a:p>
-          <a:p>
-            <a:pPr lvl="2"/>
-            <a:r>
-              <a:rPr lang="pt-BR" smtClean="0"/>
-              <a:t>Terceiro nível</a:t>
-            </a:r>
-          </a:p>
-          <a:p>
-            <a:pPr lvl="3"/>
-            <a:r>
-              <a:rPr lang="pt-BR" smtClean="0"/>
-              <a:t>Quarto nível</a:t>
-            </a:r>
-          </a:p>
-          <a:p>
-            <a:pPr lvl="4"/>
-            <a:r>
-              <a:rPr lang="pt-BR" smtClean="0"/>
-              <a:t>Quinto nível</a:t>
-            </a:r>
+            <a:pPr algn="ctr"/>
             <a:endParaRPr lang="pt-BR"/>
-          </a:p>
-        </p:txBody>
-      </p:sp>
-      <p:sp>
-        <p:nvSpPr>
-          <p:cNvPr id="4" name="Espaço Reservado para Data 3"/>
-          <p:cNvSpPr>
-            <a:spLocks noGrp="1"/>
-          </p:cNvSpPr>
-          <p:nvPr>
-            <p:ph type="dt" sz="half" idx="2"/>
-          </p:nvPr>
-        </p:nvSpPr>
-        <p:spPr>
-          <a:xfrm>
-            <a:off x="457200" y="6356350"/>
-            <a:ext cx="2133600" cy="365125"/>
-          </a:xfrm>
-          <a:prstGeom prst="rect">
-            <a:avLst/>
-          </a:prstGeom>
-        </p:spPr>
-        <p:txBody>
-          <a:bodyPr vert="horz" lIns="91440" tIns="45720" rIns="91440" bIns="45720" rtlCol="0" anchor="ctr"/>
-          <a:lstStyle>
-            <a:lvl1pPr algn="l">
-              <a:defRPr sz="1200">
-                <a:solidFill>
-                  <a:schemeClr val="tx1">
-                    <a:tint val="75000"/>
-                  </a:schemeClr>
-                </a:solidFill>
-              </a:defRPr>
-            </a:lvl1pPr>
-          </a:lstStyle>
-          <a:p>
-            <a:fld id="{5957B101-26FE-41D1-A160-CAD7C81E75D7}" type="datetimeFigureOut">
-              <a:rPr lang="pt-BR" smtClean="0"/>
-              <a:t>01/08/2017</a:t>
-            </a:fld>
-            <a:endParaRPr lang="pt-BR" dirty="0"/>
-          </a:p>
-        </p:txBody>
-      </p:sp>
-      <p:sp>
-        <p:nvSpPr>
-          <p:cNvPr id="5" name="Espaço Reservado para Rodapé 4"/>
-          <p:cNvSpPr>
-            <a:spLocks noGrp="1"/>
-          </p:cNvSpPr>
-          <p:nvPr>
-            <p:ph type="ftr" sz="quarter" idx="3"/>
-          </p:nvPr>
-        </p:nvSpPr>
-        <p:spPr>
-          <a:xfrm>
-            <a:off x="3124200" y="6356350"/>
-            <a:ext cx="2895600" cy="365125"/>
-          </a:xfrm>
-          <a:prstGeom prst="rect">
-            <a:avLst/>
-          </a:prstGeom>
-        </p:spPr>
-        <p:txBody>
-          <a:bodyPr vert="horz" lIns="91440" tIns="45720" rIns="91440" bIns="45720" rtlCol="0" anchor="ctr"/>
-          <a:lstStyle>
-            <a:lvl1pPr algn="ctr">
-              <a:defRPr sz="1200">
-                <a:solidFill>
-                  <a:schemeClr val="tx1">
-                    <a:tint val="75000"/>
-                  </a:schemeClr>
-                </a:solidFill>
-              </a:defRPr>
-            </a:lvl1pPr>
-          </a:lstStyle>
-          <a:p>
-            <a:endParaRPr lang="pt-BR" dirty="0"/>
-          </a:p>
-        </p:txBody>
-      </p:sp>
-      <p:sp>
-        <p:nvSpPr>
-          <p:cNvPr id="6" name="Espaço Reservado para Número de Slide 5"/>
-          <p:cNvSpPr>
-            <a:spLocks noGrp="1"/>
-          </p:cNvSpPr>
-          <p:nvPr>
-            <p:ph type="sldNum" sz="quarter" idx="4"/>
-          </p:nvPr>
-        </p:nvSpPr>
-        <p:spPr>
-          <a:xfrm>
-            <a:off x="6553200" y="6356350"/>
-            <a:ext cx="2133600" cy="365125"/>
-          </a:xfrm>
-          <a:prstGeom prst="rect">
-            <a:avLst/>
-          </a:prstGeom>
-        </p:spPr>
-        <p:txBody>
-          <a:bodyPr vert="horz" lIns="91440" tIns="45720" rIns="91440" bIns="45720" rtlCol="0" anchor="ctr"/>
-          <a:lstStyle>
-            <a:lvl1pPr algn="r">
-              <a:defRPr sz="1200">
-                <a:solidFill>
-                  <a:schemeClr val="tx1">
-                    <a:tint val="75000"/>
-                  </a:schemeClr>
-                </a:solidFill>
-              </a:defRPr>
-            </a:lvl1pPr>
-          </a:lstStyle>
-          <a:p>
-            <a:fld id="{3D5AE9D9-1CF9-4EA8-971E-01E5BD0A6AE1}" type="slidenum">
-              <a:rPr lang="pt-BR" smtClean="0"/>
-              <a:t>‹nº›</a:t>
-            </a:fld>
-            <a:endParaRPr lang="pt-BR" dirty="0"/>
           </a:p>
         </p:txBody>
       </p:sp>
@@ -2830,8 +3068,8 @@
         </p:nvSpPr>
         <p:spPr>
           <a:xfrm>
-            <a:off x="-71537" y="6533391"/>
-            <a:ext cx="2481770" cy="369332"/>
+            <a:off x="-37982" y="6360775"/>
+            <a:ext cx="2687439" cy="523220"/>
           </a:xfrm>
           <a:prstGeom prst="rect">
             <a:avLst/>
@@ -2839,13 +3077,13 @@
           <a:noFill/>
         </p:spPr>
         <p:txBody>
-          <a:bodyPr wrap="none" rtlCol="0">
+          <a:bodyPr wrap="square" rtlCol="0">
             <a:spAutoFit/>
           </a:bodyPr>
           <a:lstStyle/>
           <a:p>
             <a:r>
-              <a:rPr lang="pt-BR" sz="900" i="1" dirty="0" smtClean="0">
+              <a:rPr lang="pt-BR" sz="700" i="1" dirty="0" smtClean="0">
                 <a:latin typeface="Verdana" pitchFamily="34" charset="0"/>
                 <a:ea typeface="Verdana" pitchFamily="34" charset="0"/>
                 <a:cs typeface="Verdana" pitchFamily="34" charset="0"/>
@@ -2853,7 +3091,15 @@
               <a:t>Frank </a:t>
             </a:r>
             <a:r>
-              <a:rPr lang="pt-BR" sz="900" i="1" dirty="0" err="1" smtClean="0">
+              <a:rPr lang="pt-BR" sz="700" i="1" dirty="0" smtClean="0">
+                <a:latin typeface="Verdana" pitchFamily="34" charset="0"/>
+                <a:ea typeface="Verdana" pitchFamily="34" charset="0"/>
+                <a:cs typeface="Verdana" pitchFamily="34" charset="0"/>
+              </a:rPr>
+              <a:t>Wagner Cabral </a:t>
+            </a:r>
+            <a:r>
+              <a:rPr lang="pt-BR" sz="700" i="1" dirty="0" err="1" smtClean="0">
                 <a:latin typeface="Verdana" pitchFamily="34" charset="0"/>
                 <a:ea typeface="Verdana" pitchFamily="34" charset="0"/>
                 <a:cs typeface="Verdana" pitchFamily="34" charset="0"/>
@@ -2861,31 +3107,146 @@
               <a:t>Wesner</a:t>
             </a:r>
             <a:r>
-              <a:rPr lang="pt-BR" sz="900" i="1" dirty="0" smtClean="0">
+              <a:rPr lang="pt-BR" sz="700" i="1" dirty="0" smtClean="0">
                 <a:latin typeface="Verdana" pitchFamily="34" charset="0"/>
                 <a:ea typeface="Verdana" pitchFamily="34" charset="0"/>
                 <a:cs typeface="Verdana" pitchFamily="34" charset="0"/>
               </a:rPr>
-              <a:t>, wagner.rn@gmail.com</a:t>
-            </a:r>
-          </a:p>
-          <a:p>
-            <a:r>
-              <a:rPr lang="pt-BR" sz="900" i="1" dirty="0" smtClean="0">
+              <a:t> – S. </a:t>
+            </a:r>
+            <a:r>
+              <a:rPr lang="pt-BR" sz="700" i="1" dirty="0" err="1" smtClean="0">
                 <a:latin typeface="Verdana" pitchFamily="34" charset="0"/>
                 <a:ea typeface="Verdana" pitchFamily="34" charset="0"/>
                 <a:cs typeface="Verdana" pitchFamily="34" charset="0"/>
               </a:rPr>
-              <a:t>Yang Tavares, </a:t>
-            </a:r>
-            <a:r>
-              <a:rPr lang="pt-BR" sz="900" i="1" dirty="0">
+              <a:t>Student</a:t>
+            </a:r>
+            <a:r>
+              <a:rPr lang="pt-BR" sz="700" i="1" dirty="0" smtClean="0">
+                <a:latin typeface="Verdana" pitchFamily="34" charset="0"/>
+                <a:ea typeface="Verdana" pitchFamily="34" charset="0"/>
+                <a:cs typeface="Verdana" pitchFamily="34" charset="0"/>
+              </a:rPr>
+              <a:t> </a:t>
+            </a:r>
+            <a:r>
+              <a:rPr lang="pt-BR" sz="700" i="1" dirty="0" err="1" smtClean="0">
+                <a:latin typeface="Verdana" pitchFamily="34" charset="0"/>
+                <a:ea typeface="Verdana" pitchFamily="34" charset="0"/>
+                <a:cs typeface="Verdana" pitchFamily="34" charset="0"/>
+              </a:rPr>
+              <a:t>PPgEEC</a:t>
+            </a:r>
+            <a:r>
+              <a:rPr lang="pt-BR" sz="700" i="1" dirty="0" smtClean="0">
+                <a:latin typeface="Verdana" pitchFamily="34" charset="0"/>
+                <a:ea typeface="Verdana" pitchFamily="34" charset="0"/>
+                <a:cs typeface="Verdana" pitchFamily="34" charset="0"/>
+              </a:rPr>
+              <a:t>/CT</a:t>
+            </a:r>
+          </a:p>
+          <a:p>
+            <a:r>
+              <a:rPr lang="pt-BR" sz="700" i="1" baseline="0" dirty="0" smtClean="0">
+                <a:latin typeface="Verdana" pitchFamily="34" charset="0"/>
+                <a:ea typeface="Verdana" pitchFamily="34" charset="0"/>
+                <a:cs typeface="Verdana" pitchFamily="34" charset="0"/>
+              </a:rPr>
+              <a:t>       </a:t>
+            </a:r>
+            <a:r>
+              <a:rPr lang="pt-BR" sz="700" i="1" dirty="0" smtClean="0">
+                <a:latin typeface="Verdana" pitchFamily="34" charset="0"/>
+                <a:ea typeface="Verdana" pitchFamily="34" charset="0"/>
+                <a:cs typeface="Verdana" pitchFamily="34" charset="0"/>
+              </a:rPr>
+              <a:t>wagner.rn@gmail.com</a:t>
+            </a:r>
+            <a:endParaRPr lang="pt-BR" sz="700" i="1" dirty="0" smtClean="0">
+              <a:latin typeface="Verdana" pitchFamily="34" charset="0"/>
+              <a:ea typeface="Verdana" pitchFamily="34" charset="0"/>
+              <a:cs typeface="Verdana" pitchFamily="34" charset="0"/>
+            </a:endParaRPr>
+          </a:p>
+          <a:p>
+            <a:r>
+              <a:rPr lang="pt-BR" sz="700" i="1" dirty="0" smtClean="0">
+                <a:latin typeface="Verdana" pitchFamily="34" charset="0"/>
+                <a:ea typeface="Verdana" pitchFamily="34" charset="0"/>
+                <a:cs typeface="Verdana" pitchFamily="34" charset="0"/>
+              </a:rPr>
+              <a:t>Yang Azevedo Tavares – </a:t>
+            </a:r>
+            <a:r>
+              <a:rPr lang="pt-BR" sz="700" i="1" dirty="0" err="1" smtClean="0">
+                <a:latin typeface="Verdana" pitchFamily="34" charset="0"/>
+                <a:ea typeface="Verdana" pitchFamily="34" charset="0"/>
+                <a:cs typeface="Verdana" pitchFamily="34" charset="0"/>
+              </a:rPr>
+              <a:t>Student</a:t>
+            </a:r>
+            <a:r>
+              <a:rPr lang="pt-BR" sz="700" i="1" dirty="0" smtClean="0">
+                <a:latin typeface="Verdana" pitchFamily="34" charset="0"/>
+                <a:ea typeface="Verdana" pitchFamily="34" charset="0"/>
+                <a:cs typeface="Verdana" pitchFamily="34" charset="0"/>
+              </a:rPr>
+              <a:t> </a:t>
+            </a:r>
+            <a:r>
+              <a:rPr lang="pt-BR" sz="700" i="1" dirty="0" err="1" smtClean="0">
+                <a:latin typeface="Verdana" pitchFamily="34" charset="0"/>
+                <a:ea typeface="Verdana" pitchFamily="34" charset="0"/>
+                <a:cs typeface="Verdana" pitchFamily="34" charset="0"/>
+              </a:rPr>
+              <a:t>and</a:t>
+            </a:r>
+            <a:r>
+              <a:rPr lang="pt-BR" sz="700" i="1" dirty="0" smtClean="0">
+                <a:latin typeface="Verdana" pitchFamily="34" charset="0"/>
+                <a:ea typeface="Verdana" pitchFamily="34" charset="0"/>
+                <a:cs typeface="Verdana" pitchFamily="34" charset="0"/>
+              </a:rPr>
+              <a:t> </a:t>
+            </a:r>
+            <a:r>
+              <a:rPr lang="pt-BR" sz="700" i="1" dirty="0" err="1" smtClean="0">
+                <a:latin typeface="Verdana" pitchFamily="34" charset="0"/>
+                <a:ea typeface="Verdana" pitchFamily="34" charset="0"/>
+                <a:cs typeface="Verdana" pitchFamily="34" charset="0"/>
+              </a:rPr>
+              <a:t>Researcher</a:t>
+            </a:r>
+            <a:endParaRPr lang="pt-BR" sz="700" i="1" baseline="0" dirty="0" smtClean="0">
+              <a:latin typeface="Verdana" pitchFamily="34" charset="0"/>
+              <a:ea typeface="Verdana" pitchFamily="34" charset="0"/>
+              <a:cs typeface="Verdana" pitchFamily="34" charset="0"/>
+            </a:endParaRPr>
+          </a:p>
+          <a:p>
+            <a:r>
+              <a:rPr lang="pt-BR" sz="700" i="1" baseline="0" dirty="0" smtClean="0">
+                <a:latin typeface="Verdana" pitchFamily="34" charset="0"/>
+                <a:ea typeface="Verdana" pitchFamily="34" charset="0"/>
+                <a:cs typeface="Verdana" pitchFamily="34" charset="0"/>
+              </a:rPr>
+              <a:t>       </a:t>
+            </a:r>
+            <a:r>
+              <a:rPr lang="pt-BR" sz="700" i="1" dirty="0" smtClean="0">
                 <a:latin typeface="Verdana" pitchFamily="34" charset="0"/>
                 <a:ea typeface="Verdana" pitchFamily="34" charset="0"/>
                 <a:cs typeface="Verdana" pitchFamily="34" charset="0"/>
               </a:rPr>
               <a:t>yangtavares@gmail.com</a:t>
             </a:r>
+            <a:endParaRPr lang="pt-BR" sz="700" i="1" dirty="0">
+              <a:latin typeface="Verdana" pitchFamily="34" charset="0"/>
+              <a:ea typeface="Verdana" pitchFamily="34" charset="0"/>
+              <a:cs typeface="Verdana" pitchFamily="34" charset="0"/>
+            </a:endParaRPr>
           </a:p>
         </p:txBody>
       </p:sp>
@@ -2910,7 +3271,7 @@
         </p:blipFill>
         <p:spPr bwMode="auto">
           <a:xfrm>
-            <a:off x="2632680" y="6381328"/>
+            <a:off x="2649458" y="6389717"/>
             <a:ext cx="3873906" cy="481484"/>
           </a:xfrm>
           <a:prstGeom prst="rect">
@@ -2974,8 +3335,8 @@
         </p:blipFill>
         <p:spPr bwMode="auto">
           <a:xfrm>
-            <a:off x="7820748" y="6430527"/>
-            <a:ext cx="1321281" cy="427473"/>
+            <a:off x="7844422" y="6432511"/>
+            <a:ext cx="1257154" cy="406726"/>
           </a:xfrm>
           <a:prstGeom prst="rect">
             <a:avLst/>
@@ -3015,6 +3376,44 @@
           </a:extLst>
         </p:spPr>
       </p:pic>
+      <p:sp>
+        <p:nvSpPr>
+          <p:cNvPr id="11" name="Retângulo 10"/>
+          <p:cNvSpPr/>
+          <p:nvPr userDrawn="1"/>
+        </p:nvSpPr>
+        <p:spPr>
+          <a:xfrm>
+            <a:off x="0" y="0"/>
+            <a:ext cx="9142029" cy="188640"/>
+          </a:xfrm>
+          <a:prstGeom prst="rect">
+            <a:avLst/>
+          </a:prstGeom>
+        </p:spPr>
+        <p:style>
+          <a:lnRef idx="0">
+            <a:schemeClr val="dk1"/>
+          </a:lnRef>
+          <a:fillRef idx="3">
+            <a:schemeClr val="dk1"/>
+          </a:fillRef>
+          <a:effectRef idx="3">
+            <a:schemeClr val="dk1"/>
+          </a:effectRef>
+          <a:fontRef idx="minor">
+            <a:schemeClr val="lt1"/>
+          </a:fontRef>
+        </p:style>
+        <p:txBody>
+          <a:bodyPr rtlCol="0" anchor="ctr"/>
+          <a:lstStyle/>
+          <a:p>
+            <a:pPr algn="ctr"/>
+            <a:endParaRPr lang="pt-BR"/>
+          </a:p>
+        </p:txBody>
+      </p:sp>
     </p:spTree>
     <p:extLst>
       <p:ext uri="{BB962C8B-B14F-4D97-AF65-F5344CB8AC3E}">
@@ -3321,7 +3720,7 @@
         </p:nvSpPr>
         <p:spPr>
           <a:xfrm>
-            <a:off x="1413538" y="3068960"/>
+            <a:off x="1413538" y="2937718"/>
             <a:ext cx="6468309" cy="923330"/>
           </a:xfrm>
           <a:prstGeom prst="rect">
@@ -3826,8 +4225,8 @@
           <a:p>
             <a:pPr algn="ctr"/>
             <a:r>
-              <a:rPr lang="pt-BR" dirty="0" smtClean="0"/>
-              <a:t>HLS</a:t>
+              <a:rPr lang="pt-BR" dirty="0"/>
+              <a:t>Vivado HLS</a:t>
             </a:r>
             <a:endParaRPr lang="pt-BR" dirty="0"/>
           </a:p>
@@ -4077,11 +4476,16 @@
           <a:prstGeom prst="rect">
             <a:avLst/>
           </a:prstGeom>
-          <a:noFill/>
           <a:ln>
             <a:noFill/>
           </a:ln>
-          <a:effectLst/>
+          <a:effectLst>
+            <a:outerShdw blurRad="292100" dist="139700" dir="2700000" algn="tl" rotWithShape="0">
+              <a:srgbClr val="333333">
+                <a:alpha val="65000"/>
+              </a:srgbClr>
+            </a:outerShdw>
+          </a:effectLst>
           <a:extLst>
             <a:ext uri="{909E8E84-426E-40DD-AFC4-6F175D3DCCD1}">
               <a14:hiddenFill xmlns:a14="http://schemas.microsoft.com/office/drawing/2010/main">
@@ -4315,11 +4719,16 @@
           <a:prstGeom prst="rect">
             <a:avLst/>
           </a:prstGeom>
-          <a:noFill/>
           <a:ln>
             <a:noFill/>
           </a:ln>
-          <a:effectLst/>
+          <a:effectLst>
+            <a:outerShdw blurRad="292100" dist="139700" dir="2700000" algn="tl" rotWithShape="0">
+              <a:srgbClr val="333333">
+                <a:alpha val="65000"/>
+              </a:srgbClr>
+            </a:outerShdw>
+          </a:effectLst>
           <a:extLst>
             <a:ext uri="{909E8E84-426E-40DD-AFC4-6F175D3DCCD1}">
               <a14:hiddenFill xmlns:a14="http://schemas.microsoft.com/office/drawing/2010/main">
@@ -4385,8 +4794,8 @@
           <a:p>
             <a:pPr algn="ctr"/>
             <a:r>
-              <a:rPr lang="pt-BR" dirty="0" smtClean="0"/>
-              <a:t>HLS</a:t>
+              <a:rPr lang="pt-BR" dirty="0"/>
+              <a:t>Vivado HLS</a:t>
             </a:r>
             <a:endParaRPr lang="pt-BR" dirty="0"/>
           </a:p>
@@ -5129,8 +5538,8 @@
           <a:p>
             <a:pPr algn="ctr"/>
             <a:r>
-              <a:rPr lang="pt-BR" dirty="0" smtClean="0"/>
-              <a:t>HLS</a:t>
+              <a:rPr lang="pt-BR" dirty="0"/>
+              <a:t>Vivado HLS</a:t>
             </a:r>
             <a:endParaRPr lang="pt-BR" dirty="0"/>
           </a:p>
@@ -5684,6 +6093,10 @@
           <a:p>
             <a:pPr algn="ctr"/>
             <a:r>
+              <a:rPr lang="pt-BR" dirty="0"/>
+              <a:t>Vivado </a:t>
+            </a:r>
+            <a:r>
               <a:rPr lang="pt-BR" dirty="0" smtClean="0"/>
               <a:t>HLS</a:t>
             </a:r>
@@ -6705,6 +7118,10 @@
           <a:lstStyle/>
           <a:p>
             <a:pPr algn="ctr"/>
+            <a:r>
+              <a:rPr lang="pt-BR" dirty="0"/>
+              <a:t>Vivado </a:t>
+            </a:r>
             <a:r>
               <a:rPr lang="pt-BR" dirty="0" smtClean="0"/>
               <a:t>HLS</a:t>
@@ -6936,8 +7353,8 @@
           <a:p>
             <a:pPr algn="ctr"/>
             <a:r>
-              <a:rPr lang="pt-BR" dirty="0" smtClean="0"/>
-              <a:t>HLS</a:t>
+              <a:rPr lang="pt-BR" dirty="0"/>
+              <a:t>Vivado HLS</a:t>
             </a:r>
             <a:endParaRPr lang="pt-BR" dirty="0"/>
           </a:p>
@@ -7424,6 +7841,10 @@
           <a:p>
             <a:pPr algn="ctr"/>
             <a:r>
+              <a:rPr lang="pt-BR" dirty="0"/>
+              <a:t>Vivado </a:t>
+            </a:r>
+            <a:r>
               <a:rPr lang="pt-BR" dirty="0" smtClean="0"/>
               <a:t>HLS</a:t>
             </a:r>
@@ -7737,6 +8158,10 @@
           <a:lstStyle/>
           <a:p>
             <a:pPr algn="ctr"/>
+            <a:r>
+              <a:rPr lang="pt-BR" dirty="0"/>
+              <a:t>Vivado </a:t>
+            </a:r>
             <a:r>
               <a:rPr lang="pt-BR" dirty="0" smtClean="0"/>
               <a:t>HLS</a:t>
@@ -8098,7 +8523,7 @@
             <a:pPr algn="ctr"/>
             <a:r>
               <a:rPr lang="pt-BR" dirty="0" smtClean="0"/>
-              <a:t>Vivado</a:t>
+              <a:t>Vivado 2017.2</a:t>
             </a:r>
             <a:endParaRPr lang="pt-BR" dirty="0"/>
           </a:p>
@@ -8400,8 +8825,8 @@
           <a:p>
             <a:pPr algn="ctr"/>
             <a:r>
-              <a:rPr lang="pt-BR" dirty="0" smtClean="0"/>
-              <a:t>Vivado</a:t>
+              <a:rPr lang="pt-BR" dirty="0"/>
+              <a:t>Vivado 2017.2</a:t>
             </a:r>
             <a:endParaRPr lang="pt-BR" dirty="0"/>
           </a:p>
@@ -8566,8 +8991,8 @@
         </p:nvSpPr>
         <p:spPr>
           <a:xfrm>
-            <a:off x="2555776" y="827420"/>
-            <a:ext cx="3822841" cy="369332"/>
+            <a:off x="2634643" y="827420"/>
+            <a:ext cx="3665107" cy="369332"/>
           </a:xfrm>
           <a:prstGeom prst="rect">
             <a:avLst/>
@@ -8640,7 +9065,11 @@
             </a:r>
             <a:r>
               <a:rPr lang="pt-BR" dirty="0" err="1" smtClean="0"/>
-              <a:t>was</a:t>
+              <a:t>is</a:t>
+            </a:r>
+            <a:r>
+              <a:rPr lang="pt-BR" dirty="0" smtClean="0"/>
+              <a:t>:</a:t>
             </a:r>
             <a:endParaRPr lang="pt-BR" dirty="0"/>
           </a:p>
@@ -8724,7 +9153,7 @@
             <a:pPr algn="ctr"/>
             <a:r>
               <a:rPr lang="pt-BR" dirty="0" smtClean="0"/>
-              <a:t>HLS</a:t>
+              <a:t>Vivado HLS</a:t>
             </a:r>
             <a:endParaRPr lang="pt-BR" dirty="0"/>
           </a:p>
@@ -8766,7 +9195,7 @@
             <a:pPr algn="ctr"/>
             <a:r>
               <a:rPr lang="pt-BR" dirty="0" smtClean="0"/>
-              <a:t>Vivado</a:t>
+              <a:t>Vivado 2017.2</a:t>
             </a:r>
             <a:endParaRPr lang="pt-BR" dirty="0"/>
           </a:p>
@@ -9290,8 +9719,8 @@
           <a:p>
             <a:pPr algn="ctr"/>
             <a:r>
-              <a:rPr lang="pt-BR" dirty="0" smtClean="0"/>
-              <a:t>Vivado</a:t>
+              <a:rPr lang="pt-BR" dirty="0"/>
+              <a:t>Vivado 2017.2</a:t>
             </a:r>
             <a:endParaRPr lang="pt-BR" dirty="0"/>
           </a:p>
@@ -9622,8 +10051,8 @@
           <a:p>
             <a:pPr algn="ctr"/>
             <a:r>
-              <a:rPr lang="pt-BR" dirty="0" smtClean="0"/>
-              <a:t>Vivado</a:t>
+              <a:rPr lang="pt-BR" dirty="0"/>
+              <a:t>Vivado 2017.2</a:t>
             </a:r>
             <a:endParaRPr lang="pt-BR" dirty="0"/>
           </a:p>
@@ -10181,8 +10610,8 @@
           <a:p>
             <a:pPr algn="ctr"/>
             <a:r>
-              <a:rPr lang="pt-BR" dirty="0" smtClean="0"/>
-              <a:t>Vivado</a:t>
+              <a:rPr lang="pt-BR" dirty="0"/>
+              <a:t>Vivado 2017.2</a:t>
             </a:r>
             <a:endParaRPr lang="pt-BR" dirty="0"/>
           </a:p>
@@ -10403,8 +10832,8 @@
           <a:p>
             <a:pPr algn="ctr"/>
             <a:r>
-              <a:rPr lang="pt-BR" dirty="0" smtClean="0"/>
-              <a:t>Vivado</a:t>
+              <a:rPr lang="pt-BR" dirty="0"/>
+              <a:t>Vivado 2017.2</a:t>
             </a:r>
             <a:endParaRPr lang="pt-BR" dirty="0"/>
           </a:p>
@@ -10917,8 +11346,8 @@
           <a:p>
             <a:pPr algn="ctr"/>
             <a:r>
-              <a:rPr lang="pt-BR" dirty="0" smtClean="0"/>
-              <a:t>Vivado</a:t>
+              <a:rPr lang="pt-BR" dirty="0"/>
+              <a:t>Vivado 2017.2</a:t>
             </a:r>
             <a:endParaRPr lang="pt-BR" dirty="0"/>
           </a:p>
@@ -11174,11 +11603,16 @@
           <a:prstGeom prst="rect">
             <a:avLst/>
           </a:prstGeom>
-          <a:noFill/>
           <a:ln>
             <a:noFill/>
           </a:ln>
-          <a:effectLst/>
+          <a:effectLst>
+            <a:outerShdw blurRad="292100" dist="139700" dir="2700000" algn="tl" rotWithShape="0">
+              <a:srgbClr val="333333">
+                <a:alpha val="65000"/>
+              </a:srgbClr>
+            </a:outerShdw>
+          </a:effectLst>
           <a:extLst>
             <a:ext uri="{909E8E84-426E-40DD-AFC4-6F175D3DCCD1}">
               <a14:hiddenFill xmlns:a14="http://schemas.microsoft.com/office/drawing/2010/main">
@@ -11320,8 +11754,8 @@
           <a:p>
             <a:pPr algn="ctr"/>
             <a:r>
-              <a:rPr lang="pt-BR" dirty="0" smtClean="0"/>
-              <a:t>Vivado</a:t>
+              <a:rPr lang="pt-BR" dirty="0"/>
+              <a:t>Vivado 2017.2</a:t>
             </a:r>
             <a:endParaRPr lang="pt-BR" dirty="0"/>
           </a:p>
@@ -11899,8 +12333,8 @@
           <a:p>
             <a:pPr algn="ctr"/>
             <a:r>
-              <a:rPr lang="pt-BR" dirty="0" smtClean="0"/>
-              <a:t>Vivado</a:t>
+              <a:rPr lang="pt-BR" dirty="0"/>
+              <a:t>Vivado 2017.2</a:t>
             </a:r>
             <a:endParaRPr lang="pt-BR" dirty="0"/>
           </a:p>
@@ -12613,8 +13047,8 @@
           <a:p>
             <a:pPr algn="ctr"/>
             <a:r>
-              <a:rPr lang="pt-BR" dirty="0" smtClean="0"/>
-              <a:t>Vivado</a:t>
+              <a:rPr lang="pt-BR" dirty="0"/>
+              <a:t>Vivado 2017.2</a:t>
             </a:r>
             <a:endParaRPr lang="pt-BR" dirty="0"/>
           </a:p>
@@ -13060,8 +13494,8 @@
           <a:p>
             <a:pPr algn="ctr"/>
             <a:r>
-              <a:rPr lang="pt-BR" dirty="0" smtClean="0"/>
-              <a:t>Vivado</a:t>
+              <a:rPr lang="pt-BR" dirty="0"/>
+              <a:t>Vivado 2017.2</a:t>
             </a:r>
             <a:endParaRPr lang="pt-BR" dirty="0"/>
           </a:p>
@@ -13440,8 +13874,8 @@
           <a:p>
             <a:pPr algn="ctr"/>
             <a:r>
-              <a:rPr lang="pt-BR" dirty="0" smtClean="0"/>
-              <a:t>Vivado</a:t>
+              <a:rPr lang="pt-BR" dirty="0"/>
+              <a:t>Vivado 2017.2</a:t>
             </a:r>
             <a:endParaRPr lang="pt-BR" dirty="0"/>
           </a:p>
@@ -14617,8 +15051,8 @@
           <a:p>
             <a:pPr algn="ctr"/>
             <a:r>
-              <a:rPr lang="pt-BR" dirty="0" smtClean="0"/>
-              <a:t>Vivado</a:t>
+              <a:rPr lang="pt-BR" dirty="0"/>
+              <a:t>Vivado 2017.2</a:t>
             </a:r>
             <a:endParaRPr lang="pt-BR" dirty="0"/>
           </a:p>
@@ -16281,7 +16715,8 @@
             <a:avLst/>
           </a:prstGeom>
           <a:ln>
-            <a:tailEnd type="arrow"/>
+            <a:headEnd type="oval"/>
+            <a:tailEnd type="triangle"/>
           </a:ln>
         </p:spPr>
         <p:style>
@@ -16314,7 +16749,8 @@
             <a:avLst/>
           </a:prstGeom>
           <a:ln>
-            <a:tailEnd type="arrow"/>
+            <a:headEnd type="oval"/>
+            <a:tailEnd type="triangle"/>
           </a:ln>
         </p:spPr>
         <p:style>
@@ -16340,14 +16776,15 @@
         </p:nvCxnSpPr>
         <p:spPr>
           <a:xfrm flipH="1" flipV="1">
-            <a:off x="5076056" y="2924944"/>
-            <a:ext cx="1152128" cy="2253446"/>
+            <a:off x="4788024" y="2924944"/>
+            <a:ext cx="1440160" cy="2253446"/>
           </a:xfrm>
           <a:prstGeom prst="straightConnector1">
             <a:avLst/>
           </a:prstGeom>
           <a:ln>
-            <a:tailEnd type="arrow"/>
+            <a:headEnd type="oval"/>
+            <a:tailEnd type="triangle"/>
           </a:ln>
         </p:spPr>
         <p:style>
@@ -16380,7 +16817,8 @@
             <a:avLst/>
           </a:prstGeom>
           <a:ln>
-            <a:tailEnd type="arrow"/>
+            <a:headEnd type="oval"/>
+            <a:tailEnd type="triangle"/>
           </a:ln>
         </p:spPr>
         <p:style>
@@ -16413,7 +16851,8 @@
             <a:avLst/>
           </a:prstGeom>
           <a:ln>
-            <a:tailEnd type="arrow"/>
+            <a:headEnd type="oval"/>
+            <a:tailEnd type="triangle"/>
           </a:ln>
         </p:spPr>
         <p:style>
@@ -16438,7 +16877,7 @@
           <p:nvPr/>
         </p:nvCxnSpPr>
         <p:spPr>
-          <a:xfrm flipV="1">
+          <a:xfrm flipH="1">
             <a:off x="5004048" y="2276872"/>
             <a:ext cx="2088232" cy="432048"/>
           </a:xfrm>
@@ -16446,7 +16885,42 @@
             <a:avLst/>
           </a:prstGeom>
           <a:ln>
-            <a:tailEnd type="arrow"/>
+            <a:headEnd type="oval"/>
+            <a:tailEnd type="triangle"/>
+          </a:ln>
+        </p:spPr>
+        <p:style>
+          <a:lnRef idx="1">
+            <a:schemeClr val="accent1"/>
+          </a:lnRef>
+          <a:fillRef idx="0">
+            <a:schemeClr val="accent1"/>
+          </a:fillRef>
+          <a:effectRef idx="0">
+            <a:schemeClr val="accent1"/>
+          </a:effectRef>
+          <a:fontRef idx="minor">
+            <a:schemeClr val="tx1"/>
+          </a:fontRef>
+        </p:style>
+      </p:cxnSp>
+      <p:cxnSp>
+        <p:nvCxnSpPr>
+          <p:cNvPr id="15" name="Conector de seta reta 14"/>
+          <p:cNvCxnSpPr/>
+          <p:nvPr/>
+        </p:nvCxnSpPr>
+        <p:spPr>
+          <a:xfrm flipV="1">
+            <a:off x="1619672" y="4221088"/>
+            <a:ext cx="5147659" cy="957305"/>
+          </a:xfrm>
+          <a:prstGeom prst="straightConnector1">
+            <a:avLst/>
+          </a:prstGeom>
+          <a:ln>
+            <a:headEnd type="oval"/>
+            <a:tailEnd type="triangle"/>
           </a:ln>
         </p:spPr>
         <p:style>
@@ -16731,6 +17205,236 @@
           <a:chExt cx="0" cy="0"/>
         </a:xfrm>
       </p:grpSpPr>
+      <p:sp>
+        <p:nvSpPr>
+          <p:cNvPr id="2" name="Retângulo 1"/>
+          <p:cNvSpPr/>
+          <p:nvPr/>
+        </p:nvSpPr>
+        <p:spPr>
+          <a:xfrm>
+            <a:off x="2568408" y="2967335"/>
+            <a:ext cx="4007187" cy="923330"/>
+          </a:xfrm>
+          <a:prstGeom prst="rect">
+            <a:avLst/>
+          </a:prstGeom>
+          <a:noFill/>
+        </p:spPr>
+        <p:txBody>
+          <a:bodyPr wrap="none" lIns="91440" tIns="45720" rIns="91440" bIns="45720">
+            <a:spAutoFit/>
+          </a:bodyPr>
+          <a:lstStyle/>
+          <a:p>
+            <a:pPr algn="ctr"/>
+            <a:r>
+              <a:rPr lang="pt-BR" sz="5400" b="1" cap="none" spc="0" dirty="0" err="1" smtClean="0">
+                <a:ln w="12700">
+                  <a:solidFill>
+                    <a:schemeClr val="tx2">
+                      <a:satMod val="155000"/>
+                    </a:schemeClr>
+                  </a:solidFill>
+                  <a:prstDash val="solid"/>
+                </a:ln>
+                <a:solidFill>
+                  <a:schemeClr val="bg2">
+                    <a:tint val="85000"/>
+                    <a:satMod val="155000"/>
+                  </a:schemeClr>
+                </a:solidFill>
+                <a:effectLst>
+                  <a:outerShdw blurRad="41275" dist="20320" dir="1800000" algn="tl" rotWithShape="0">
+                    <a:srgbClr val="000000">
+                      <a:alpha val="40000"/>
+                    </a:srgbClr>
+                  </a:outerShdw>
+                </a:effectLst>
+              </a:rPr>
+              <a:t>Many</a:t>
+            </a:r>
+            <a:r>
+              <a:rPr lang="pt-BR" sz="5400" b="1" dirty="0">
+                <a:ln w="12700">
+                  <a:solidFill>
+                    <a:schemeClr val="tx2">
+                      <a:satMod val="155000"/>
+                    </a:schemeClr>
+                  </a:solidFill>
+                  <a:prstDash val="solid"/>
+                </a:ln>
+                <a:solidFill>
+                  <a:schemeClr val="bg2">
+                    <a:tint val="85000"/>
+                    <a:satMod val="155000"/>
+                  </a:schemeClr>
+                </a:solidFill>
+                <a:effectLst>
+                  <a:outerShdw blurRad="41275" dist="20320" dir="1800000" algn="tl" rotWithShape="0">
+                    <a:srgbClr val="000000">
+                      <a:alpha val="40000"/>
+                    </a:srgbClr>
+                  </a:outerShdw>
+                </a:effectLst>
+              </a:rPr>
+              <a:t> </a:t>
+            </a:r>
+            <a:r>
+              <a:rPr lang="pt-BR" sz="5400" b="1" dirty="0" err="1" smtClean="0">
+                <a:ln w="12700">
+                  <a:solidFill>
+                    <a:schemeClr val="tx2">
+                      <a:satMod val="155000"/>
+                    </a:schemeClr>
+                  </a:solidFill>
+                  <a:prstDash val="solid"/>
+                </a:ln>
+                <a:solidFill>
+                  <a:schemeClr val="bg2">
+                    <a:tint val="85000"/>
+                    <a:satMod val="155000"/>
+                  </a:schemeClr>
+                </a:solidFill>
+                <a:effectLst>
+                  <a:outerShdw blurRad="41275" dist="20320" dir="1800000" algn="tl" rotWithShape="0">
+                    <a:srgbClr val="000000">
+                      <a:alpha val="40000"/>
+                    </a:srgbClr>
+                  </a:outerShdw>
+                </a:effectLst>
+              </a:rPr>
+              <a:t>Thanks</a:t>
+            </a:r>
+            <a:endParaRPr lang="pt-BR" sz="5400" b="1" cap="none" spc="0" dirty="0">
+              <a:ln w="12700">
+                <a:solidFill>
+                  <a:schemeClr val="tx2">
+                    <a:satMod val="155000"/>
+                  </a:schemeClr>
+                </a:solidFill>
+                <a:prstDash val="solid"/>
+              </a:ln>
+              <a:solidFill>
+                <a:schemeClr val="bg2">
+                  <a:tint val="85000"/>
+                  <a:satMod val="155000"/>
+                </a:schemeClr>
+              </a:solidFill>
+              <a:effectLst>
+                <a:outerShdw blurRad="41275" dist="20320" dir="1800000" algn="tl" rotWithShape="0">
+                  <a:srgbClr val="000000">
+                    <a:alpha val="40000"/>
+                  </a:srgbClr>
+                </a:outerShdw>
+              </a:effectLst>
+            </a:endParaRPr>
+          </a:p>
+        </p:txBody>
+      </p:sp>
+      <p:sp>
+        <p:nvSpPr>
+          <p:cNvPr id="3" name="CaixaDeTexto 2"/>
+          <p:cNvSpPr txBox="1"/>
+          <p:nvPr/>
+        </p:nvSpPr>
+        <p:spPr>
+          <a:xfrm>
+            <a:off x="2117591" y="764704"/>
+            <a:ext cx="4887749" cy="646331"/>
+          </a:xfrm>
+          <a:prstGeom prst="rect">
+            <a:avLst/>
+          </a:prstGeom>
+        </p:spPr>
+        <p:style>
+          <a:lnRef idx="3">
+            <a:schemeClr val="lt1"/>
+          </a:lnRef>
+          <a:fillRef idx="1">
+            <a:schemeClr val="dk1"/>
+          </a:fillRef>
+          <a:effectRef idx="1">
+            <a:schemeClr val="dk1"/>
+          </a:effectRef>
+          <a:fontRef idx="minor">
+            <a:schemeClr val="lt1"/>
+          </a:fontRef>
+        </p:style>
+        <p:txBody>
+          <a:bodyPr wrap="none" rtlCol="0">
+            <a:spAutoFit/>
+          </a:bodyPr>
+          <a:lstStyle/>
+          <a:p>
+            <a:pPr algn="ctr"/>
+            <a:r>
+              <a:rPr lang="pt-BR" dirty="0" err="1" smtClean="0"/>
+              <a:t>All</a:t>
+            </a:r>
+            <a:r>
+              <a:rPr lang="pt-BR" dirty="0" smtClean="0"/>
+              <a:t> files </a:t>
+            </a:r>
+            <a:r>
+              <a:rPr lang="pt-BR" dirty="0" err="1" smtClean="0"/>
+              <a:t>used</a:t>
+            </a:r>
+            <a:r>
+              <a:rPr lang="pt-BR" dirty="0" smtClean="0"/>
+              <a:t> </a:t>
+            </a:r>
+            <a:r>
+              <a:rPr lang="pt-BR" dirty="0" err="1" smtClean="0"/>
+              <a:t>on</a:t>
+            </a:r>
+            <a:r>
+              <a:rPr lang="pt-BR" dirty="0" smtClean="0"/>
+              <a:t> </a:t>
+            </a:r>
+            <a:r>
+              <a:rPr lang="pt-BR" dirty="0" err="1" smtClean="0"/>
+              <a:t>this</a:t>
+            </a:r>
+            <a:r>
+              <a:rPr lang="pt-BR" dirty="0" smtClean="0"/>
+              <a:t> </a:t>
+            </a:r>
+            <a:r>
+              <a:rPr lang="pt-BR" dirty="0" err="1" smtClean="0"/>
+              <a:t>project</a:t>
+            </a:r>
+            <a:r>
+              <a:rPr lang="pt-BR" dirty="0" smtClean="0"/>
+              <a:t> are </a:t>
+            </a:r>
+            <a:r>
+              <a:rPr lang="pt-BR" dirty="0" err="1" smtClean="0"/>
+              <a:t>distributed</a:t>
+            </a:r>
+            <a:r>
+              <a:rPr lang="pt-BR" dirty="0" smtClean="0"/>
+              <a:t> </a:t>
+            </a:r>
+            <a:r>
+              <a:rPr lang="pt-BR" dirty="0" err="1" smtClean="0"/>
+              <a:t>on</a:t>
+            </a:r>
+            <a:r>
+              <a:rPr lang="pt-BR" dirty="0" smtClean="0"/>
+              <a:t> </a:t>
+            </a:r>
+          </a:p>
+          <a:p>
+            <a:pPr algn="ctr"/>
+            <a:r>
+              <a:rPr lang="pt-BR" dirty="0"/>
+              <a:t>https://github.com/wagnerrn/pynq-primenumber</a:t>
+            </a:r>
+            <a:endParaRPr lang="pt-BR" dirty="0" smtClean="0"/>
+          </a:p>
+        </p:txBody>
+      </p:sp>
     </p:spTree>
     <p:extLst>
       <p:ext uri="{BB962C8B-B14F-4D97-AF65-F5344CB8AC3E}">
@@ -17482,7 +18186,7 @@
             <a:pPr algn="ctr"/>
             <a:r>
               <a:rPr lang="pt-BR" dirty="0" smtClean="0"/>
-              <a:t>HLS</a:t>
+              <a:t>Vivado HLS</a:t>
             </a:r>
             <a:endParaRPr lang="pt-BR" dirty="0"/>
           </a:p>
@@ -17712,8 +18416,8 @@
           <a:p>
             <a:pPr algn="ctr"/>
             <a:r>
-              <a:rPr lang="pt-BR" dirty="0" smtClean="0"/>
-              <a:t>HLS</a:t>
+              <a:rPr lang="pt-BR" dirty="0"/>
+              <a:t>Vivado HLS</a:t>
             </a:r>
             <a:endParaRPr lang="pt-BR" dirty="0"/>
           </a:p>
@@ -18016,8 +18720,8 @@
           <a:p>
             <a:pPr algn="ctr"/>
             <a:r>
-              <a:rPr lang="pt-BR" dirty="0" smtClean="0"/>
-              <a:t>HLS</a:t>
+              <a:rPr lang="pt-BR" dirty="0"/>
+              <a:t>Vivado HLS</a:t>
             </a:r>
             <a:endParaRPr lang="pt-BR" dirty="0"/>
           </a:p>
@@ -18234,6 +18938,10 @@
           <a:lstStyle/>
           <a:p>
             <a:pPr algn="ctr"/>
+            <a:r>
+              <a:rPr lang="pt-BR" dirty="0"/>
+              <a:t>Vivado </a:t>
+            </a:r>
             <a:r>
               <a:rPr lang="pt-BR" dirty="0" smtClean="0"/>
               <a:t>HLS</a:t>
